--- a/idTRAX.pptx
+++ b/idTRAX.pptx
@@ -4,9 +4,14 @@
   <p:sldMasterIdLst>
     <p:sldMasterId id="2147483648" r:id="rId1"/>
   </p:sldMasterIdLst>
+  <p:notesMasterIdLst>
+    <p:notesMasterId r:id="rId6"/>
+  </p:notesMasterIdLst>
   <p:sldIdLst>
     <p:sldId id="256" r:id="rId2"/>
     <p:sldId id="257" r:id="rId3"/>
+    <p:sldId id="258" r:id="rId4"/>
+    <p:sldId id="259" r:id="rId5"/>
   </p:sldIdLst>
   <p:sldSz cx="12192000" cy="6858000"/>
   <p:notesSz cx="6858000" cy="9144000"/>
@@ -113,6 +118,551 @@
 </p:presentation>
 </file>
 
+<file path=ppt/notesMasters/notesMaster1.xml><?xml version="1.0" encoding="utf-8"?>
+<p:notesMaster xmlns:a="http://schemas.openxmlformats.org/drawingml/2006/main" xmlns:r="http://schemas.openxmlformats.org/officeDocument/2006/relationships" xmlns:p="http://schemas.openxmlformats.org/presentationml/2006/main">
+  <p:cSld>
+    <p:bg>
+      <p:bgRef idx="1001">
+        <a:schemeClr val="bg1"/>
+      </p:bgRef>
+    </p:bg>
+    <p:spTree>
+      <p:nvGrpSpPr>
+        <p:cNvPr id="1" name=""/>
+        <p:cNvGrpSpPr/>
+        <p:nvPr/>
+      </p:nvGrpSpPr>
+      <p:grpSpPr>
+        <a:xfrm>
+          <a:off x="0" y="0"/>
+          <a:ext cx="0" cy="0"/>
+          <a:chOff x="0" y="0"/>
+          <a:chExt cx="0" cy="0"/>
+        </a:xfrm>
+      </p:grpSpPr>
+      <p:sp>
+        <p:nvSpPr>
+          <p:cNvPr id="2" name="Header Placeholder 1"/>
+          <p:cNvSpPr>
+            <a:spLocks noGrp="1"/>
+          </p:cNvSpPr>
+          <p:nvPr>
+            <p:ph type="hdr" sz="quarter"/>
+          </p:nvPr>
+        </p:nvSpPr>
+        <p:spPr>
+          <a:xfrm>
+            <a:off x="0" y="0"/>
+            <a:ext cx="2971800" cy="458788"/>
+          </a:xfrm>
+          <a:prstGeom prst="rect">
+            <a:avLst/>
+          </a:prstGeom>
+        </p:spPr>
+        <p:txBody>
+          <a:bodyPr vert="horz" lIns="91440" tIns="45720" rIns="91440" bIns="45720" rtlCol="0"/>
+          <a:lstStyle>
+            <a:lvl1pPr algn="l">
+              <a:defRPr sz="1200"/>
+            </a:lvl1pPr>
+          </a:lstStyle>
+          <a:p>
+            <a:endParaRPr lang="en-US"/>
+          </a:p>
+        </p:txBody>
+      </p:sp>
+      <p:sp>
+        <p:nvSpPr>
+          <p:cNvPr id="3" name="Date Placeholder 2"/>
+          <p:cNvSpPr>
+            <a:spLocks noGrp="1"/>
+          </p:cNvSpPr>
+          <p:nvPr>
+            <p:ph type="dt" idx="1"/>
+          </p:nvPr>
+        </p:nvSpPr>
+        <p:spPr>
+          <a:xfrm>
+            <a:off x="3884613" y="0"/>
+            <a:ext cx="2971800" cy="458788"/>
+          </a:xfrm>
+          <a:prstGeom prst="rect">
+            <a:avLst/>
+          </a:prstGeom>
+        </p:spPr>
+        <p:txBody>
+          <a:bodyPr vert="horz" lIns="91440" tIns="45720" rIns="91440" bIns="45720" rtlCol="0"/>
+          <a:lstStyle>
+            <a:lvl1pPr algn="r">
+              <a:defRPr sz="1200"/>
+            </a:lvl1pPr>
+          </a:lstStyle>
+          <a:p>
+            <a:fld id="{CF12C337-3BD7-274A-A5F2-1FE31BB18CC2}" type="datetimeFigureOut">
+              <a:rPr lang="en-US" smtClean="0"/>
+              <a:t>8/6/19</a:t>
+            </a:fld>
+            <a:endParaRPr lang="en-US"/>
+          </a:p>
+        </p:txBody>
+      </p:sp>
+      <p:sp>
+        <p:nvSpPr>
+          <p:cNvPr id="4" name="Slide Image Placeholder 3"/>
+          <p:cNvSpPr>
+            <a:spLocks noGrp="1" noRot="1" noChangeAspect="1"/>
+          </p:cNvSpPr>
+          <p:nvPr>
+            <p:ph type="sldImg" idx="2"/>
+          </p:nvPr>
+        </p:nvSpPr>
+        <p:spPr>
+          <a:xfrm>
+            <a:off x="685800" y="1143000"/>
+            <a:ext cx="5486400" cy="3086100"/>
+          </a:xfrm>
+          <a:prstGeom prst="rect">
+            <a:avLst/>
+          </a:prstGeom>
+          <a:noFill/>
+          <a:ln w="12700">
+            <a:solidFill>
+              <a:prstClr val="black"/>
+            </a:solidFill>
+          </a:ln>
+        </p:spPr>
+        <p:txBody>
+          <a:bodyPr vert="horz" lIns="91440" tIns="45720" rIns="91440" bIns="45720" rtlCol="0" anchor="ctr"/>
+          <a:lstStyle/>
+          <a:p>
+            <a:endParaRPr lang="en-US"/>
+          </a:p>
+        </p:txBody>
+      </p:sp>
+      <p:sp>
+        <p:nvSpPr>
+          <p:cNvPr id="5" name="Notes Placeholder 4"/>
+          <p:cNvSpPr>
+            <a:spLocks noGrp="1"/>
+          </p:cNvSpPr>
+          <p:nvPr>
+            <p:ph type="body" sz="quarter" idx="3"/>
+          </p:nvPr>
+        </p:nvSpPr>
+        <p:spPr>
+          <a:xfrm>
+            <a:off x="685800" y="4400550"/>
+            <a:ext cx="5486400" cy="3600450"/>
+          </a:xfrm>
+          <a:prstGeom prst="rect">
+            <a:avLst/>
+          </a:prstGeom>
+        </p:spPr>
+        <p:txBody>
+          <a:bodyPr vert="horz" lIns="91440" tIns="45720" rIns="91440" bIns="45720" rtlCol="0"/>
+          <a:lstStyle/>
+          <a:p>
+            <a:pPr lvl="0"/>
+            <a:r>
+              <a:rPr lang="en-US"/>
+              <a:t>Click to edit Master text styles</a:t>
+            </a:r>
+          </a:p>
+          <a:p>
+            <a:pPr lvl="1"/>
+            <a:r>
+              <a:rPr lang="en-US"/>
+              <a:t>Second level</a:t>
+            </a:r>
+          </a:p>
+          <a:p>
+            <a:pPr lvl="2"/>
+            <a:r>
+              <a:rPr lang="en-US"/>
+              <a:t>Third level</a:t>
+            </a:r>
+          </a:p>
+          <a:p>
+            <a:pPr lvl="3"/>
+            <a:r>
+              <a:rPr lang="en-US"/>
+              <a:t>Fourth level</a:t>
+            </a:r>
+          </a:p>
+          <a:p>
+            <a:pPr lvl="4"/>
+            <a:r>
+              <a:rPr lang="en-US"/>
+              <a:t>Fifth level</a:t>
+            </a:r>
+          </a:p>
+        </p:txBody>
+      </p:sp>
+      <p:sp>
+        <p:nvSpPr>
+          <p:cNvPr id="6" name="Footer Placeholder 5"/>
+          <p:cNvSpPr>
+            <a:spLocks noGrp="1"/>
+          </p:cNvSpPr>
+          <p:nvPr>
+            <p:ph type="ftr" sz="quarter" idx="4"/>
+          </p:nvPr>
+        </p:nvSpPr>
+        <p:spPr>
+          <a:xfrm>
+            <a:off x="0" y="8685213"/>
+            <a:ext cx="2971800" cy="458787"/>
+          </a:xfrm>
+          <a:prstGeom prst="rect">
+            <a:avLst/>
+          </a:prstGeom>
+        </p:spPr>
+        <p:txBody>
+          <a:bodyPr vert="horz" lIns="91440" tIns="45720" rIns="91440" bIns="45720" rtlCol="0" anchor="b"/>
+          <a:lstStyle>
+            <a:lvl1pPr algn="l">
+              <a:defRPr sz="1200"/>
+            </a:lvl1pPr>
+          </a:lstStyle>
+          <a:p>
+            <a:endParaRPr lang="en-US"/>
+          </a:p>
+        </p:txBody>
+      </p:sp>
+      <p:sp>
+        <p:nvSpPr>
+          <p:cNvPr id="7" name="Slide Number Placeholder 6"/>
+          <p:cNvSpPr>
+            <a:spLocks noGrp="1"/>
+          </p:cNvSpPr>
+          <p:nvPr>
+            <p:ph type="sldNum" sz="quarter" idx="5"/>
+          </p:nvPr>
+        </p:nvSpPr>
+        <p:spPr>
+          <a:xfrm>
+            <a:off x="3884613" y="8685213"/>
+            <a:ext cx="2971800" cy="458787"/>
+          </a:xfrm>
+          <a:prstGeom prst="rect">
+            <a:avLst/>
+          </a:prstGeom>
+        </p:spPr>
+        <p:txBody>
+          <a:bodyPr vert="horz" lIns="91440" tIns="45720" rIns="91440" bIns="45720" rtlCol="0" anchor="b"/>
+          <a:lstStyle>
+            <a:lvl1pPr algn="r">
+              <a:defRPr sz="1200"/>
+            </a:lvl1pPr>
+          </a:lstStyle>
+          <a:p>
+            <a:fld id="{59788F3C-7D95-A74D-B40E-0DF0BE02B325}" type="slidenum">
+              <a:rPr lang="en-US" smtClean="0"/>
+              <a:t>‹#›</a:t>
+            </a:fld>
+            <a:endParaRPr lang="en-US"/>
+          </a:p>
+        </p:txBody>
+      </p:sp>
+    </p:spTree>
+    <p:extLst>
+      <p:ext uri="{BB962C8B-B14F-4D97-AF65-F5344CB8AC3E}">
+        <p14:creationId xmlns:p14="http://schemas.microsoft.com/office/powerpoint/2010/main" val="1983093972"/>
+      </p:ext>
+    </p:extLst>
+  </p:cSld>
+  <p:clrMap bg1="lt1" tx1="dk1" bg2="lt2" tx2="dk2" accent1="accent1" accent2="accent2" accent3="accent3" accent4="accent4" accent5="accent5" accent6="accent6" hlink="hlink" folHlink="folHlink"/>
+  <p:notesStyle>
+    <a:lvl1pPr marL="0" algn="l" defTabSz="914400" rtl="0" eaLnBrk="1" latinLnBrk="0" hangingPunct="1">
+      <a:defRPr sz="1200" kern="1200">
+        <a:solidFill>
+          <a:schemeClr val="tx1"/>
+        </a:solidFill>
+        <a:latin typeface="+mn-lt"/>
+        <a:ea typeface="+mn-ea"/>
+        <a:cs typeface="+mn-cs"/>
+      </a:defRPr>
+    </a:lvl1pPr>
+    <a:lvl2pPr marL="457200" algn="l" defTabSz="914400" rtl="0" eaLnBrk="1" latinLnBrk="0" hangingPunct="1">
+      <a:defRPr sz="1200" kern="1200">
+        <a:solidFill>
+          <a:schemeClr val="tx1"/>
+        </a:solidFill>
+        <a:latin typeface="+mn-lt"/>
+        <a:ea typeface="+mn-ea"/>
+        <a:cs typeface="+mn-cs"/>
+      </a:defRPr>
+    </a:lvl2pPr>
+    <a:lvl3pPr marL="914400" algn="l" defTabSz="914400" rtl="0" eaLnBrk="1" latinLnBrk="0" hangingPunct="1">
+      <a:defRPr sz="1200" kern="1200">
+        <a:solidFill>
+          <a:schemeClr val="tx1"/>
+        </a:solidFill>
+        <a:latin typeface="+mn-lt"/>
+        <a:ea typeface="+mn-ea"/>
+        <a:cs typeface="+mn-cs"/>
+      </a:defRPr>
+    </a:lvl3pPr>
+    <a:lvl4pPr marL="1371600" algn="l" defTabSz="914400" rtl="0" eaLnBrk="1" latinLnBrk="0" hangingPunct="1">
+      <a:defRPr sz="1200" kern="1200">
+        <a:solidFill>
+          <a:schemeClr val="tx1"/>
+        </a:solidFill>
+        <a:latin typeface="+mn-lt"/>
+        <a:ea typeface="+mn-ea"/>
+        <a:cs typeface="+mn-cs"/>
+      </a:defRPr>
+    </a:lvl4pPr>
+    <a:lvl5pPr marL="1828800" algn="l" defTabSz="914400" rtl="0" eaLnBrk="1" latinLnBrk="0" hangingPunct="1">
+      <a:defRPr sz="1200" kern="1200">
+        <a:solidFill>
+          <a:schemeClr val="tx1"/>
+        </a:solidFill>
+        <a:latin typeface="+mn-lt"/>
+        <a:ea typeface="+mn-ea"/>
+        <a:cs typeface="+mn-cs"/>
+      </a:defRPr>
+    </a:lvl5pPr>
+    <a:lvl6pPr marL="2286000" algn="l" defTabSz="914400" rtl="0" eaLnBrk="1" latinLnBrk="0" hangingPunct="1">
+      <a:defRPr sz="1200" kern="1200">
+        <a:solidFill>
+          <a:schemeClr val="tx1"/>
+        </a:solidFill>
+        <a:latin typeface="+mn-lt"/>
+        <a:ea typeface="+mn-ea"/>
+        <a:cs typeface="+mn-cs"/>
+      </a:defRPr>
+    </a:lvl6pPr>
+    <a:lvl7pPr marL="2743200" algn="l" defTabSz="914400" rtl="0" eaLnBrk="1" latinLnBrk="0" hangingPunct="1">
+      <a:defRPr sz="1200" kern="1200">
+        <a:solidFill>
+          <a:schemeClr val="tx1"/>
+        </a:solidFill>
+        <a:latin typeface="+mn-lt"/>
+        <a:ea typeface="+mn-ea"/>
+        <a:cs typeface="+mn-cs"/>
+      </a:defRPr>
+    </a:lvl7pPr>
+    <a:lvl8pPr marL="3200400" algn="l" defTabSz="914400" rtl="0" eaLnBrk="1" latinLnBrk="0" hangingPunct="1">
+      <a:defRPr sz="1200" kern="1200">
+        <a:solidFill>
+          <a:schemeClr val="tx1"/>
+        </a:solidFill>
+        <a:latin typeface="+mn-lt"/>
+        <a:ea typeface="+mn-ea"/>
+        <a:cs typeface="+mn-cs"/>
+      </a:defRPr>
+    </a:lvl8pPr>
+    <a:lvl9pPr marL="3657600" algn="l" defTabSz="914400" rtl="0" eaLnBrk="1" latinLnBrk="0" hangingPunct="1">
+      <a:defRPr sz="1200" kern="1200">
+        <a:solidFill>
+          <a:schemeClr val="tx1"/>
+        </a:solidFill>
+        <a:latin typeface="+mn-lt"/>
+        <a:ea typeface="+mn-ea"/>
+        <a:cs typeface="+mn-cs"/>
+      </a:defRPr>
+    </a:lvl9pPr>
+  </p:notesStyle>
+</p:notesMaster>
+</file>
+
+<file path=ppt/notesSlides/notesSlide1.xml><?xml version="1.0" encoding="utf-8"?>
+<p:notes xmlns:a="http://schemas.openxmlformats.org/drawingml/2006/main" xmlns:r="http://schemas.openxmlformats.org/officeDocument/2006/relationships" xmlns:p="http://schemas.openxmlformats.org/presentationml/2006/main">
+  <p:cSld>
+    <p:spTree>
+      <p:nvGrpSpPr>
+        <p:cNvPr id="1" name=""/>
+        <p:cNvGrpSpPr/>
+        <p:nvPr/>
+      </p:nvGrpSpPr>
+      <p:grpSpPr>
+        <a:xfrm>
+          <a:off x="0" y="0"/>
+          <a:ext cx="0" cy="0"/>
+          <a:chOff x="0" y="0"/>
+          <a:chExt cx="0" cy="0"/>
+        </a:xfrm>
+      </p:grpSpPr>
+      <p:sp>
+        <p:nvSpPr>
+          <p:cNvPr id="2" name="Slide Image Placeholder 1"/>
+          <p:cNvSpPr>
+            <a:spLocks noGrp="1" noRot="1" noChangeAspect="1"/>
+          </p:cNvSpPr>
+          <p:nvPr>
+            <p:ph type="sldImg"/>
+          </p:nvPr>
+        </p:nvSpPr>
+        <p:spPr/>
+      </p:sp>
+      <p:sp>
+        <p:nvSpPr>
+          <p:cNvPr id="3" name="Notes Placeholder 2"/>
+          <p:cNvSpPr>
+            <a:spLocks noGrp="1"/>
+          </p:cNvSpPr>
+          <p:nvPr>
+            <p:ph type="body" idx="1"/>
+          </p:nvPr>
+        </p:nvSpPr>
+        <p:spPr/>
+        <p:txBody>
+          <a:bodyPr/>
+          <a:lstStyle/>
+          <a:p>
+            <a:pPr marL="0" marR="0" lvl="0" indent="0" algn="l" defTabSz="914400" rtl="0" eaLnBrk="1" fontAlgn="auto" latinLnBrk="0" hangingPunct="1">
+              <a:lnSpc>
+                <a:spcPct val="100000"/>
+              </a:lnSpc>
+              <a:spcBef>
+                <a:spcPts val="0"/>
+              </a:spcBef>
+              <a:spcAft>
+                <a:spcPts val="0"/>
+              </a:spcAft>
+              <a:buClrTx/>
+              <a:buSzTx/>
+              <a:buFontTx/>
+              <a:buNone/>
+              <a:tabLst/>
+              <a:defRPr/>
+            </a:pPr>
+            <a:r>
+              <a:rPr lang="en-US" dirty="0"/>
+              <a:t>GSK PKIS-I library of kinase inhibitors (</a:t>
+            </a:r>
+            <a:r>
+              <a:rPr lang="en-US" dirty="0" err="1"/>
+              <a:t>ChEMBL</a:t>
+            </a:r>
+            <a:r>
+              <a:rPr lang="en-US" dirty="0"/>
+              <a:t>)</a:t>
+            </a:r>
+          </a:p>
+        </p:txBody>
+      </p:sp>
+      <p:sp>
+        <p:nvSpPr>
+          <p:cNvPr id="4" name="Slide Number Placeholder 3"/>
+          <p:cNvSpPr>
+            <a:spLocks noGrp="1"/>
+          </p:cNvSpPr>
+          <p:nvPr>
+            <p:ph type="sldNum" sz="quarter" idx="5"/>
+          </p:nvPr>
+        </p:nvSpPr>
+        <p:spPr/>
+        <p:txBody>
+          <a:bodyPr/>
+          <a:lstStyle/>
+          <a:p>
+            <a:fld id="{59788F3C-7D95-A74D-B40E-0DF0BE02B325}" type="slidenum">
+              <a:rPr lang="en-US" smtClean="0"/>
+              <a:t>2</a:t>
+            </a:fld>
+            <a:endParaRPr lang="en-US"/>
+          </a:p>
+        </p:txBody>
+      </p:sp>
+    </p:spTree>
+    <p:extLst>
+      <p:ext uri="{BB962C8B-B14F-4D97-AF65-F5344CB8AC3E}">
+        <p14:creationId xmlns:p14="http://schemas.microsoft.com/office/powerpoint/2010/main" val="1052034711"/>
+      </p:ext>
+    </p:extLst>
+  </p:cSld>
+  <p:clrMapOvr>
+    <a:masterClrMapping/>
+  </p:clrMapOvr>
+</p:notes>
+</file>
+
+<file path=ppt/notesSlides/notesSlide2.xml><?xml version="1.0" encoding="utf-8"?>
+<p:notes xmlns:a="http://schemas.openxmlformats.org/drawingml/2006/main" xmlns:r="http://schemas.openxmlformats.org/officeDocument/2006/relationships" xmlns:p="http://schemas.openxmlformats.org/presentationml/2006/main">
+  <p:cSld>
+    <p:spTree>
+      <p:nvGrpSpPr>
+        <p:cNvPr id="1" name=""/>
+        <p:cNvGrpSpPr/>
+        <p:nvPr/>
+      </p:nvGrpSpPr>
+      <p:grpSpPr>
+        <a:xfrm>
+          <a:off x="0" y="0"/>
+          <a:ext cx="0" cy="0"/>
+          <a:chOff x="0" y="0"/>
+          <a:chExt cx="0" cy="0"/>
+        </a:xfrm>
+      </p:grpSpPr>
+      <p:sp>
+        <p:nvSpPr>
+          <p:cNvPr id="2" name="Slide Image Placeholder 1"/>
+          <p:cNvSpPr>
+            <a:spLocks noGrp="1" noRot="1" noChangeAspect="1"/>
+          </p:cNvSpPr>
+          <p:nvPr>
+            <p:ph type="sldImg"/>
+          </p:nvPr>
+        </p:nvSpPr>
+        <p:spPr/>
+      </p:sp>
+      <p:sp>
+        <p:nvSpPr>
+          <p:cNvPr id="3" name="Notes Placeholder 2"/>
+          <p:cNvSpPr>
+            <a:spLocks noGrp="1"/>
+          </p:cNvSpPr>
+          <p:nvPr>
+            <p:ph type="body" idx="1"/>
+          </p:nvPr>
+        </p:nvSpPr>
+        <p:spPr/>
+        <p:txBody>
+          <a:bodyPr/>
+          <a:lstStyle/>
+          <a:p>
+            <a:endParaRPr lang="en-US" dirty="0"/>
+          </a:p>
+        </p:txBody>
+      </p:sp>
+      <p:sp>
+        <p:nvSpPr>
+          <p:cNvPr id="4" name="Slide Number Placeholder 3"/>
+          <p:cNvSpPr>
+            <a:spLocks noGrp="1"/>
+          </p:cNvSpPr>
+          <p:nvPr>
+            <p:ph type="sldNum" sz="quarter" idx="5"/>
+          </p:nvPr>
+        </p:nvSpPr>
+        <p:spPr/>
+        <p:txBody>
+          <a:bodyPr/>
+          <a:lstStyle/>
+          <a:p>
+            <a:fld id="{59788F3C-7D95-A74D-B40E-0DF0BE02B325}" type="slidenum">
+              <a:rPr lang="en-US" smtClean="0"/>
+              <a:t>3</a:t>
+            </a:fld>
+            <a:endParaRPr lang="en-US"/>
+          </a:p>
+        </p:txBody>
+      </p:sp>
+    </p:spTree>
+    <p:extLst>
+      <p:ext uri="{BB962C8B-B14F-4D97-AF65-F5344CB8AC3E}">
+        <p14:creationId xmlns:p14="http://schemas.microsoft.com/office/powerpoint/2010/main" val="2007352819"/>
+      </p:ext>
+    </p:extLst>
+  </p:cSld>
+  <p:clrMapOvr>
+    <a:masterClrMapping/>
+  </p:clrMapOvr>
+</p:notes>
+</file>
+
 <file path=ppt/slideLayouts/slideLayout1.xml><?xml version="1.0" encoding="utf-8"?>
 <p:sldLayout xmlns:a="http://schemas.openxmlformats.org/drawingml/2006/main" xmlns:r="http://schemas.openxmlformats.org/officeDocument/2006/relationships" xmlns:p="http://schemas.openxmlformats.org/presentationml/2006/main" type="title" preserve="1">
   <p:cSld name="Title Slide">
@@ -260,7 +810,7 @@
           <a:p>
             <a:fld id="{98A7BC4F-8531-7D4A-82E4-E49F19BE4174}" type="datetimeFigureOut">
               <a:rPr lang="en-US" smtClean="0"/>
-              <a:t>8/3/19</a:t>
+              <a:t>8/6/19</a:t>
             </a:fld>
             <a:endParaRPr lang="en-US"/>
           </a:p>
@@ -458,7 +1008,7 @@
           <a:p>
             <a:fld id="{98A7BC4F-8531-7D4A-82E4-E49F19BE4174}" type="datetimeFigureOut">
               <a:rPr lang="en-US" smtClean="0"/>
-              <a:t>8/3/19</a:t>
+              <a:t>8/6/19</a:t>
             </a:fld>
             <a:endParaRPr lang="en-US"/>
           </a:p>
@@ -666,7 +1216,7 @@
           <a:p>
             <a:fld id="{98A7BC4F-8531-7D4A-82E4-E49F19BE4174}" type="datetimeFigureOut">
               <a:rPr lang="en-US" smtClean="0"/>
-              <a:t>8/3/19</a:t>
+              <a:t>8/6/19</a:t>
             </a:fld>
             <a:endParaRPr lang="en-US"/>
           </a:p>
@@ -864,7 +1414,7 @@
           <a:p>
             <a:fld id="{98A7BC4F-8531-7D4A-82E4-E49F19BE4174}" type="datetimeFigureOut">
               <a:rPr lang="en-US" smtClean="0"/>
-              <a:t>8/3/19</a:t>
+              <a:t>8/6/19</a:t>
             </a:fld>
             <a:endParaRPr lang="en-US"/>
           </a:p>
@@ -1139,7 +1689,7 @@
           <a:p>
             <a:fld id="{98A7BC4F-8531-7D4A-82E4-E49F19BE4174}" type="datetimeFigureOut">
               <a:rPr lang="en-US" smtClean="0"/>
-              <a:t>8/3/19</a:t>
+              <a:t>8/6/19</a:t>
             </a:fld>
             <a:endParaRPr lang="en-US"/>
           </a:p>
@@ -1404,7 +1954,7 @@
           <a:p>
             <a:fld id="{98A7BC4F-8531-7D4A-82E4-E49F19BE4174}" type="datetimeFigureOut">
               <a:rPr lang="en-US" smtClean="0"/>
-              <a:t>8/3/19</a:t>
+              <a:t>8/6/19</a:t>
             </a:fld>
             <a:endParaRPr lang="en-US"/>
           </a:p>
@@ -1816,7 +2366,7 @@
           <a:p>
             <a:fld id="{98A7BC4F-8531-7D4A-82E4-E49F19BE4174}" type="datetimeFigureOut">
               <a:rPr lang="en-US" smtClean="0"/>
-              <a:t>8/3/19</a:t>
+              <a:t>8/6/19</a:t>
             </a:fld>
             <a:endParaRPr lang="en-US"/>
           </a:p>
@@ -1957,7 +2507,7 @@
           <a:p>
             <a:fld id="{98A7BC4F-8531-7D4A-82E4-E49F19BE4174}" type="datetimeFigureOut">
               <a:rPr lang="en-US" smtClean="0"/>
-              <a:t>8/3/19</a:t>
+              <a:t>8/6/19</a:t>
             </a:fld>
             <a:endParaRPr lang="en-US"/>
           </a:p>
@@ -2070,7 +2620,7 @@
           <a:p>
             <a:fld id="{98A7BC4F-8531-7D4A-82E4-E49F19BE4174}" type="datetimeFigureOut">
               <a:rPr lang="en-US" smtClean="0"/>
-              <a:t>8/3/19</a:t>
+              <a:t>8/6/19</a:t>
             </a:fld>
             <a:endParaRPr lang="en-US"/>
           </a:p>
@@ -2381,7 +2931,7 @@
           <a:p>
             <a:fld id="{98A7BC4F-8531-7D4A-82E4-E49F19BE4174}" type="datetimeFigureOut">
               <a:rPr lang="en-US" smtClean="0"/>
-              <a:t>8/3/19</a:t>
+              <a:t>8/6/19</a:t>
             </a:fld>
             <a:endParaRPr lang="en-US"/>
           </a:p>
@@ -2669,7 +3219,7 @@
           <a:p>
             <a:fld id="{98A7BC4F-8531-7D4A-82E4-E49F19BE4174}" type="datetimeFigureOut">
               <a:rPr lang="en-US" smtClean="0"/>
-              <a:t>8/3/19</a:t>
+              <a:t>8/6/19</a:t>
             </a:fld>
             <a:endParaRPr lang="en-US"/>
           </a:p>
@@ -2910,7 +3460,7 @@
           <a:p>
             <a:fld id="{98A7BC4F-8531-7D4A-82E4-E49F19BE4174}" type="datetimeFigureOut">
               <a:rPr lang="en-US" smtClean="0"/>
-              <a:t>8/3/19</a:t>
+              <a:t>8/6/19</a:t>
             </a:fld>
             <a:endParaRPr lang="en-US"/>
           </a:p>
@@ -3352,7 +3902,10 @@
               <a:rPr lang="en-US" dirty="0" err="1"/>
               <a:t>idTRAX</a:t>
             </a:r>
-            <a:endParaRPr lang="en-US" dirty="0"/>
+            <a:r>
+              <a:rPr lang="en-US" dirty="0"/>
+              <a:t> deep-dive</a:t>
+            </a:r>
           </a:p>
         </p:txBody>
       </p:sp>
@@ -3407,7 +3960,10 @@
           <a:bodyPr/>
           <a:lstStyle/>
           <a:p>
-            <a:endParaRPr lang="en-US"/>
+            <a:r>
+              <a:rPr lang="en-US" dirty="0"/>
+              <a:t>Algorithm overview</a:t>
+            </a:r>
           </a:p>
         </p:txBody>
       </p:sp>
@@ -3425,7 +3981,7 @@
         </p:nvSpPr>
         <p:spPr>
           <a:xfrm>
-            <a:off x="6442841" y="2092817"/>
+            <a:off x="6843533" y="1877063"/>
             <a:ext cx="2585546" cy="1061546"/>
           </a:xfrm>
           <a:prstGeom prst="ellipse">
@@ -3474,7 +4030,7 @@
         </p:nvSpPr>
         <p:spPr>
           <a:xfrm>
-            <a:off x="2159876" y="2092817"/>
+            <a:off x="2159876" y="1877063"/>
             <a:ext cx="2585546" cy="1061546"/>
           </a:xfrm>
           <a:prstGeom prst="ellipse">
@@ -3511,10 +4067,10 @@
       </p:sp>
       <p:sp>
         <p:nvSpPr>
-          <p:cNvPr id="6" name="TextBox 5">
-            <a:extLst>
-              <a:ext uri="{FF2B5EF4-FFF2-40B4-BE49-F238E27FC236}">
-                <a16:creationId xmlns:a16="http://schemas.microsoft.com/office/drawing/2014/main" id="{E474E969-63E2-7D4A-AF9A-B25B90CA0355}"/>
+          <p:cNvPr id="7" name="TextBox 6">
+            <a:extLst>
+              <a:ext uri="{FF2B5EF4-FFF2-40B4-BE49-F238E27FC236}">
+                <a16:creationId xmlns:a16="http://schemas.microsoft.com/office/drawing/2014/main" id="{21F9695C-11ED-054F-BCA7-9BF049C29065}"/>
               </a:ext>
             </a:extLst>
           </p:cNvPr>
@@ -3523,8 +4079,50 @@
         </p:nvSpPr>
         <p:spPr>
           <a:xfrm>
-            <a:off x="5615956" y="3556492"/>
-            <a:ext cx="4594912" cy="369332"/>
+            <a:off x="2520525" y="5579903"/>
+            <a:ext cx="6581778" cy="400110"/>
+          </a:xfrm>
+          <a:prstGeom prst="rect">
+            <a:avLst/>
+          </a:prstGeom>
+          <a:solidFill>
+            <a:schemeClr val="accent2"/>
+          </a:solidFill>
+        </p:spPr>
+        <p:txBody>
+          <a:bodyPr wrap="square" rtlCol="0">
+            <a:spAutoFit/>
+          </a:bodyPr>
+          <a:lstStyle/>
+          <a:p>
+            <a:pPr algn="ctr"/>
+            <a:r>
+              <a:rPr lang="en-US" sz="2000" dirty="0">
+                <a:solidFill>
+                  <a:schemeClr val="bg1"/>
+                </a:solidFill>
+              </a:rPr>
+              <a:t>Hit/No-hit ~ kinase inhibition profiles</a:t>
+            </a:r>
+          </a:p>
+        </p:txBody>
+      </p:sp>
+      <p:sp>
+        <p:nvSpPr>
+          <p:cNvPr id="8" name="TextBox 7">
+            <a:extLst>
+              <a:ext uri="{FF2B5EF4-FFF2-40B4-BE49-F238E27FC236}">
+                <a16:creationId xmlns:a16="http://schemas.microsoft.com/office/drawing/2014/main" id="{5636A200-CEFB-3540-AD50-FB4611B2F6BE}"/>
+              </a:ext>
+            </a:extLst>
+          </p:cNvPr>
+          <p:cNvSpPr txBox="1"/>
+          <p:nvPr/>
+        </p:nvSpPr>
+        <p:spPr>
+          <a:xfrm>
+            <a:off x="1218566" y="3815487"/>
+            <a:ext cx="1301959" cy="369332"/>
           </a:xfrm>
           <a:prstGeom prst="rect">
             <a:avLst/>
@@ -3539,25 +4137,510 @@
           <a:p>
             <a:r>
               <a:rPr lang="en-US" dirty="0"/>
-              <a:t>GSK PKIS-I library of kinase inhibitors (</a:t>
-            </a:r>
-            <a:r>
-              <a:rPr lang="en-US" dirty="0" err="1"/>
-              <a:t>ChEMBL</a:t>
-            </a:r>
+              <a:t>Hit/No-hit? </a:t>
+            </a:r>
+          </a:p>
+        </p:txBody>
+      </p:sp>
+      <p:graphicFrame>
+        <p:nvGraphicFramePr>
+          <p:cNvPr id="3" name="Table 2">
+            <a:extLst>
+              <a:ext uri="{FF2B5EF4-FFF2-40B4-BE49-F238E27FC236}">
+                <a16:creationId xmlns:a16="http://schemas.microsoft.com/office/drawing/2014/main" id="{8975359E-152F-594B-8196-A016676DDA32}"/>
+              </a:ext>
+            </a:extLst>
+          </p:cNvPr>
+          <p:cNvGraphicFramePr>
+            <a:graphicFrameLocks noGrp="1"/>
+          </p:cNvGraphicFramePr>
+          <p:nvPr>
+            <p:extLst>
+              <p:ext uri="{D42A27DB-BD31-4B8C-83A1-F6EECF244321}">
+                <p14:modId xmlns:p14="http://schemas.microsoft.com/office/powerpoint/2010/main" val="2721228824"/>
+              </p:ext>
+            </p:extLst>
+          </p:nvPr>
+        </p:nvGraphicFramePr>
+        <p:xfrm>
+          <a:off x="6065339" y="3429000"/>
+          <a:ext cx="4141933" cy="1415396"/>
+        </p:xfrm>
+        <a:graphic>
+          <a:graphicData uri="http://schemas.openxmlformats.org/drawingml/2006/table">
+            <a:tbl>
+              <a:tblPr firstRow="1" bandRow="1">
+                <a:tableStyleId>{5C22544A-7EE6-4342-B048-85BDC9FD1C3A}</a:tableStyleId>
+              </a:tblPr>
+              <a:tblGrid>
+                <a:gridCol w="1193249">
+                  <a:extLst>
+                    <a:ext uri="{9D8B030D-6E8A-4147-A177-3AD203B41FA5}">
+                      <a16:colId xmlns:a16="http://schemas.microsoft.com/office/drawing/2014/main" val="2344867445"/>
+                    </a:ext>
+                  </a:extLst>
+                </a:gridCol>
+                <a:gridCol w="832207">
+                  <a:extLst>
+                    <a:ext uri="{9D8B030D-6E8A-4147-A177-3AD203B41FA5}">
+                      <a16:colId xmlns:a16="http://schemas.microsoft.com/office/drawing/2014/main" val="3291907378"/>
+                    </a:ext>
+                  </a:extLst>
+                </a:gridCol>
+                <a:gridCol w="780836">
+                  <a:extLst>
+                    <a:ext uri="{9D8B030D-6E8A-4147-A177-3AD203B41FA5}">
+                      <a16:colId xmlns:a16="http://schemas.microsoft.com/office/drawing/2014/main" val="520880761"/>
+                    </a:ext>
+                  </a:extLst>
+                </a:gridCol>
+                <a:gridCol w="852755">
+                  <a:extLst>
+                    <a:ext uri="{9D8B030D-6E8A-4147-A177-3AD203B41FA5}">
+                      <a16:colId xmlns:a16="http://schemas.microsoft.com/office/drawing/2014/main" val="1571932206"/>
+                    </a:ext>
+                  </a:extLst>
+                </a:gridCol>
+                <a:gridCol w="482886">
+                  <a:extLst>
+                    <a:ext uri="{9D8B030D-6E8A-4147-A177-3AD203B41FA5}">
+                      <a16:colId xmlns:a16="http://schemas.microsoft.com/office/drawing/2014/main" val="4052673014"/>
+                    </a:ext>
+                  </a:extLst>
+                </a:gridCol>
+              </a:tblGrid>
+              <a:tr h="353849">
+                <a:tc>
+                  <a:txBody>
+                    <a:bodyPr/>
+                    <a:lstStyle/>
+                    <a:p>
+                      <a:r>
+                        <a:rPr lang="en-US" sz="1600" dirty="0"/>
+                        <a:t>Compound</a:t>
+                      </a:r>
+                    </a:p>
+                  </a:txBody>
+                  <a:tcPr/>
+                </a:tc>
+                <a:tc>
+                  <a:txBody>
+                    <a:bodyPr/>
+                    <a:lstStyle/>
+                    <a:p>
+                      <a:r>
+                        <a:rPr lang="en-US" sz="1600" dirty="0"/>
+                        <a:t>Gene 1</a:t>
+                      </a:r>
+                    </a:p>
+                  </a:txBody>
+                  <a:tcPr/>
+                </a:tc>
+                <a:tc>
+                  <a:txBody>
+                    <a:bodyPr/>
+                    <a:lstStyle/>
+                    <a:p>
+                      <a:r>
+                        <a:rPr lang="en-US" sz="1600" dirty="0"/>
+                        <a:t>Gene 2</a:t>
+                      </a:r>
+                    </a:p>
+                  </a:txBody>
+                  <a:tcPr/>
+                </a:tc>
+                <a:tc>
+                  <a:txBody>
+                    <a:bodyPr/>
+                    <a:lstStyle/>
+                    <a:p>
+                      <a:r>
+                        <a:rPr lang="en-US" sz="1600" dirty="0"/>
+                        <a:t>Gene 3</a:t>
+                      </a:r>
+                    </a:p>
+                  </a:txBody>
+                  <a:tcPr/>
+                </a:tc>
+                <a:tc>
+                  <a:txBody>
+                    <a:bodyPr/>
+                    <a:lstStyle/>
+                    <a:p>
+                      <a:r>
+                        <a:rPr lang="en-US" sz="1600" dirty="0"/>
+                        <a:t>…</a:t>
+                      </a:r>
+                    </a:p>
+                  </a:txBody>
+                  <a:tcPr/>
+                </a:tc>
+                <a:extLst>
+                  <a:ext uri="{0D108BD9-81ED-4DB2-BD59-A6C34878D82A}">
+                    <a16:rowId xmlns:a16="http://schemas.microsoft.com/office/drawing/2014/main" val="2749336173"/>
+                  </a:ext>
+                </a:extLst>
+              </a:tr>
+              <a:tr h="353849">
+                <a:tc>
+                  <a:txBody>
+                    <a:bodyPr/>
+                    <a:lstStyle/>
+                    <a:p>
+                      <a:r>
+                        <a:rPr lang="en-US" sz="1600" dirty="0"/>
+                        <a:t>x1</a:t>
+                      </a:r>
+                    </a:p>
+                  </a:txBody>
+                  <a:tcPr/>
+                </a:tc>
+                <a:tc>
+                  <a:txBody>
+                    <a:bodyPr/>
+                    <a:lstStyle/>
+                    <a:p>
+                      <a:r>
+                        <a:rPr lang="en-US" sz="1600" dirty="0"/>
+                        <a:t>0</a:t>
+                      </a:r>
+                    </a:p>
+                  </a:txBody>
+                  <a:tcPr/>
+                </a:tc>
+                <a:tc>
+                  <a:txBody>
+                    <a:bodyPr/>
+                    <a:lstStyle/>
+                    <a:p>
+                      <a:r>
+                        <a:rPr lang="en-US" sz="1600" dirty="0"/>
+                        <a:t>20</a:t>
+                      </a:r>
+                    </a:p>
+                  </a:txBody>
+                  <a:tcPr/>
+                </a:tc>
+                <a:tc>
+                  <a:txBody>
+                    <a:bodyPr/>
+                    <a:lstStyle/>
+                    <a:p>
+                      <a:r>
+                        <a:rPr lang="en-US" sz="1600" dirty="0"/>
+                        <a:t>80</a:t>
+                      </a:r>
+                    </a:p>
+                  </a:txBody>
+                  <a:tcPr/>
+                </a:tc>
+                <a:tc>
+                  <a:txBody>
+                    <a:bodyPr/>
+                    <a:lstStyle/>
+                    <a:p>
+                      <a:r>
+                        <a:rPr lang="en-US" sz="1600" dirty="0"/>
+                        <a:t>.</a:t>
+                      </a:r>
+                    </a:p>
+                  </a:txBody>
+                  <a:tcPr/>
+                </a:tc>
+                <a:extLst>
+                  <a:ext uri="{0D108BD9-81ED-4DB2-BD59-A6C34878D82A}">
+                    <a16:rowId xmlns:a16="http://schemas.microsoft.com/office/drawing/2014/main" val="2528720923"/>
+                  </a:ext>
+                </a:extLst>
+              </a:tr>
+              <a:tr h="353849">
+                <a:tc>
+                  <a:txBody>
+                    <a:bodyPr/>
+                    <a:lstStyle/>
+                    <a:p>
+                      <a:r>
+                        <a:rPr lang="en-US" sz="1600" dirty="0"/>
+                        <a:t>x2</a:t>
+                      </a:r>
+                    </a:p>
+                  </a:txBody>
+                  <a:tcPr/>
+                </a:tc>
+                <a:tc>
+                  <a:txBody>
+                    <a:bodyPr/>
+                    <a:lstStyle/>
+                    <a:p>
+                      <a:r>
+                        <a:rPr lang="en-US" sz="1600" dirty="0"/>
+                        <a:t>35</a:t>
+                      </a:r>
+                    </a:p>
+                  </a:txBody>
+                  <a:tcPr/>
+                </a:tc>
+                <a:tc>
+                  <a:txBody>
+                    <a:bodyPr/>
+                    <a:lstStyle/>
+                    <a:p>
+                      <a:r>
+                        <a:rPr lang="en-US" sz="1600" dirty="0"/>
+                        <a:t>7</a:t>
+                      </a:r>
+                    </a:p>
+                  </a:txBody>
+                  <a:tcPr/>
+                </a:tc>
+                <a:tc>
+                  <a:txBody>
+                    <a:bodyPr/>
+                    <a:lstStyle/>
+                    <a:p>
+                      <a:r>
+                        <a:rPr lang="en-US" sz="1600" dirty="0"/>
+                        <a:t>20</a:t>
+                      </a:r>
+                    </a:p>
+                  </a:txBody>
+                  <a:tcPr/>
+                </a:tc>
+                <a:tc>
+                  <a:txBody>
+                    <a:bodyPr/>
+                    <a:lstStyle/>
+                    <a:p>
+                      <a:r>
+                        <a:rPr lang="en-US" sz="1600" dirty="0"/>
+                        <a:t>.</a:t>
+                      </a:r>
+                    </a:p>
+                  </a:txBody>
+                  <a:tcPr/>
+                </a:tc>
+                <a:extLst>
+                  <a:ext uri="{0D108BD9-81ED-4DB2-BD59-A6C34878D82A}">
+                    <a16:rowId xmlns:a16="http://schemas.microsoft.com/office/drawing/2014/main" val="230630288"/>
+                  </a:ext>
+                </a:extLst>
+              </a:tr>
+              <a:tr h="353849">
+                <a:tc>
+                  <a:txBody>
+                    <a:bodyPr/>
+                    <a:lstStyle/>
+                    <a:p>
+                      <a:r>
+                        <a:rPr lang="en-US" sz="1600" dirty="0"/>
+                        <a:t>…</a:t>
+                      </a:r>
+                    </a:p>
+                  </a:txBody>
+                  <a:tcPr/>
+                </a:tc>
+                <a:tc>
+                  <a:txBody>
+                    <a:bodyPr/>
+                    <a:lstStyle/>
+                    <a:p>
+                      <a:r>
+                        <a:rPr lang="en-US" sz="1600" dirty="0"/>
+                        <a:t>.</a:t>
+                      </a:r>
+                    </a:p>
+                  </a:txBody>
+                  <a:tcPr/>
+                </a:tc>
+                <a:tc>
+                  <a:txBody>
+                    <a:bodyPr/>
+                    <a:lstStyle/>
+                    <a:p>
+                      <a:r>
+                        <a:rPr lang="en-US" sz="1600" dirty="0"/>
+                        <a:t>.</a:t>
+                      </a:r>
+                    </a:p>
+                  </a:txBody>
+                  <a:tcPr/>
+                </a:tc>
+                <a:tc>
+                  <a:txBody>
+                    <a:bodyPr/>
+                    <a:lstStyle/>
+                    <a:p>
+                      <a:r>
+                        <a:rPr lang="en-US" sz="1600" dirty="0"/>
+                        <a:t>.</a:t>
+                      </a:r>
+                    </a:p>
+                  </a:txBody>
+                  <a:tcPr/>
+                </a:tc>
+                <a:tc>
+                  <a:txBody>
+                    <a:bodyPr/>
+                    <a:lstStyle/>
+                    <a:p>
+                      <a:r>
+                        <a:rPr lang="en-US" sz="1600" dirty="0"/>
+                        <a:t>.</a:t>
+                      </a:r>
+                    </a:p>
+                  </a:txBody>
+                  <a:tcPr/>
+                </a:tc>
+                <a:extLst>
+                  <a:ext uri="{0D108BD9-81ED-4DB2-BD59-A6C34878D82A}">
+                    <a16:rowId xmlns:a16="http://schemas.microsoft.com/office/drawing/2014/main" val="3725120335"/>
+                  </a:ext>
+                </a:extLst>
+              </a:tr>
+            </a:tbl>
+          </a:graphicData>
+        </a:graphic>
+      </p:graphicFrame>
+      <p:pic>
+        <p:nvPicPr>
+          <p:cNvPr id="9" name="Picture 8">
+            <a:extLst>
+              <a:ext uri="{FF2B5EF4-FFF2-40B4-BE49-F238E27FC236}">
+                <a16:creationId xmlns:a16="http://schemas.microsoft.com/office/drawing/2014/main" id="{E53A767C-376E-1C40-AD9C-BE6535FAAAFA}"/>
+              </a:ext>
+            </a:extLst>
+          </p:cNvPr>
+          <p:cNvPicPr>
+            <a:picLocks noChangeAspect="1"/>
+          </p:cNvPicPr>
+          <p:nvPr/>
+        </p:nvPicPr>
+        <p:blipFill>
+          <a:blip r:embed="rId3"/>
+          <a:stretch>
+            <a:fillRect/>
+          </a:stretch>
+        </p:blipFill>
+        <p:spPr>
+          <a:xfrm>
+            <a:off x="2586422" y="3171812"/>
+            <a:ext cx="2159000" cy="1917700"/>
+          </a:xfrm>
+          <a:prstGeom prst="rect">
+            <a:avLst/>
+          </a:prstGeom>
+        </p:spPr>
+      </p:pic>
+    </p:spTree>
+    <p:extLst>
+      <p:ext uri="{BB962C8B-B14F-4D97-AF65-F5344CB8AC3E}">
+        <p14:creationId xmlns:p14="http://schemas.microsoft.com/office/powerpoint/2010/main" val="4249061237"/>
+      </p:ext>
+    </p:extLst>
+  </p:cSld>
+  <p:clrMapOvr>
+    <a:masterClrMapping/>
+  </p:clrMapOvr>
+</p:sld>
+</file>
+
+<file path=ppt/slides/slide3.xml><?xml version="1.0" encoding="utf-8"?>
+<p:sld xmlns:a="http://schemas.openxmlformats.org/drawingml/2006/main" xmlns:r="http://schemas.openxmlformats.org/officeDocument/2006/relationships" xmlns:p="http://schemas.openxmlformats.org/presentationml/2006/main">
+  <p:cSld>
+    <p:spTree>
+      <p:nvGrpSpPr>
+        <p:cNvPr id="1" name=""/>
+        <p:cNvGrpSpPr/>
+        <p:nvPr/>
+      </p:nvGrpSpPr>
+      <p:grpSpPr>
+        <a:xfrm>
+          <a:off x="0" y="0"/>
+          <a:ext cx="0" cy="0"/>
+          <a:chOff x="0" y="0"/>
+          <a:chExt cx="0" cy="0"/>
+        </a:xfrm>
+      </p:grpSpPr>
+      <p:sp>
+        <p:nvSpPr>
+          <p:cNvPr id="2" name="Title 1">
+            <a:extLst>
+              <a:ext uri="{FF2B5EF4-FFF2-40B4-BE49-F238E27FC236}">
+                <a16:creationId xmlns:a16="http://schemas.microsoft.com/office/drawing/2014/main" id="{9CE01AE1-73B1-3543-AF31-0F71EE906EC2}"/>
+              </a:ext>
+            </a:extLst>
+          </p:cNvPr>
+          <p:cNvSpPr>
+            <a:spLocks noGrp="1"/>
+          </p:cNvSpPr>
+          <p:nvPr>
+            <p:ph type="title"/>
+          </p:nvPr>
+        </p:nvSpPr>
+        <p:spPr/>
+        <p:txBody>
+          <a:bodyPr/>
+          <a:lstStyle/>
+          <a:p>
             <a:r>
               <a:rPr lang="en-US" dirty="0"/>
-              <a:t>)</a:t>
-            </a:r>
-          </a:p>
-        </p:txBody>
-      </p:sp>
-      <p:sp>
-        <p:nvSpPr>
-          <p:cNvPr id="7" name="TextBox 6">
-            <a:extLst>
-              <a:ext uri="{FF2B5EF4-FFF2-40B4-BE49-F238E27FC236}">
-                <a16:creationId xmlns:a16="http://schemas.microsoft.com/office/drawing/2014/main" id="{21F9695C-11ED-054F-BCA7-9BF049C29065}"/>
+              <a:t>Hit/No-hit ~ kinase inhibition profiles</a:t>
+            </a:r>
+          </a:p>
+        </p:txBody>
+      </p:sp>
+      <p:sp>
+        <p:nvSpPr>
+          <p:cNvPr id="4" name="Pentagon 3">
+            <a:extLst>
+              <a:ext uri="{FF2B5EF4-FFF2-40B4-BE49-F238E27FC236}">
+                <a16:creationId xmlns:a16="http://schemas.microsoft.com/office/drawing/2014/main" id="{DC771848-B8B2-E64D-BC68-D12C8F8AEA6E}"/>
+              </a:ext>
+            </a:extLst>
+          </p:cNvPr>
+          <p:cNvSpPr/>
+          <p:nvPr/>
+        </p:nvSpPr>
+        <p:spPr>
+          <a:xfrm rot="5400000">
+            <a:off x="1551398" y="1366463"/>
+            <a:ext cx="842481" cy="2054831"/>
+          </a:xfrm>
+          <a:prstGeom prst="homePlate">
+            <a:avLst/>
+          </a:prstGeom>
+        </p:spPr>
+        <p:style>
+          <a:lnRef idx="2">
+            <a:schemeClr val="accent1">
+              <a:shade val="50000"/>
+            </a:schemeClr>
+          </a:lnRef>
+          <a:fillRef idx="1">
+            <a:schemeClr val="accent1"/>
+          </a:fillRef>
+          <a:effectRef idx="0">
+            <a:schemeClr val="accent1"/>
+          </a:effectRef>
+          <a:fontRef idx="minor">
+            <a:schemeClr val="lt1"/>
+          </a:fontRef>
+        </p:style>
+        <p:txBody>
+          <a:bodyPr rtlCol="0" anchor="ctr"/>
+          <a:lstStyle/>
+          <a:p>
+            <a:pPr algn="ctr"/>
+            <a:endParaRPr lang="en-US" dirty="0"/>
+          </a:p>
+        </p:txBody>
+      </p:sp>
+      <p:sp>
+        <p:nvSpPr>
+          <p:cNvPr id="5" name="TextBox 4">
+            <a:extLst>
+              <a:ext uri="{FF2B5EF4-FFF2-40B4-BE49-F238E27FC236}">
+                <a16:creationId xmlns:a16="http://schemas.microsoft.com/office/drawing/2014/main" id="{E96BE9C8-1256-4D42-859E-A01E815D731A}"/>
               </a:ext>
             </a:extLst>
           </p:cNvPr>
@@ -3566,8 +4649,8 @@
         </p:nvSpPr>
         <p:spPr>
           <a:xfrm>
-            <a:off x="3784621" y="4835501"/>
-            <a:ext cx="3662669" cy="369332"/>
+            <a:off x="1467531" y="2106740"/>
+            <a:ext cx="1010213" cy="369332"/>
           </a:xfrm>
           <a:prstGeom prst="rect">
             <a:avLst/>
@@ -3581,18 +4664,22 @@
           <a:lstStyle/>
           <a:p>
             <a:r>
-              <a:rPr lang="en-US" dirty="0"/>
-              <a:t>Hit/No-hit ~ kinase inhibition profiles</a:t>
-            </a:r>
-          </a:p>
-        </p:txBody>
-      </p:sp>
-      <p:sp>
-        <p:nvSpPr>
-          <p:cNvPr id="8" name="TextBox 7">
-            <a:extLst>
-              <a:ext uri="{FF2B5EF4-FFF2-40B4-BE49-F238E27FC236}">
-                <a16:creationId xmlns:a16="http://schemas.microsoft.com/office/drawing/2014/main" id="{5636A200-CEFB-3540-AD50-FB4611B2F6BE}"/>
+              <a:rPr lang="en-US" dirty="0">
+                <a:solidFill>
+                  <a:schemeClr val="bg1"/>
+                </a:solidFill>
+              </a:rPr>
+              <a:t>MR-SVM</a:t>
+            </a:r>
+          </a:p>
+        </p:txBody>
+      </p:sp>
+      <p:sp>
+        <p:nvSpPr>
+          <p:cNvPr id="6" name="TextBox 5">
+            <a:extLst>
+              <a:ext uri="{FF2B5EF4-FFF2-40B4-BE49-F238E27FC236}">
+                <a16:creationId xmlns:a16="http://schemas.microsoft.com/office/drawing/2014/main" id="{BD203F0E-0082-4F49-8B8F-E218EED74260}"/>
               </a:ext>
             </a:extLst>
           </p:cNvPr>
@@ -3601,8 +4688,8 @@
         </p:nvSpPr>
         <p:spPr>
           <a:xfrm>
-            <a:off x="2855370" y="3556492"/>
-            <a:ext cx="1194558" cy="369332"/>
+            <a:off x="3581292" y="1894084"/>
+            <a:ext cx="7505380" cy="1000274"/>
           </a:xfrm>
           <a:prstGeom prst="rect">
             <a:avLst/>
@@ -3610,14 +4697,314 @@
           <a:noFill/>
         </p:spPr>
         <p:txBody>
+          <a:bodyPr wrap="square" rtlCol="0">
+            <a:spAutoFit/>
+          </a:bodyPr>
+          <a:lstStyle/>
+          <a:p>
+            <a:pPr>
+              <a:spcAft>
+                <a:spcPts val="600"/>
+              </a:spcAft>
+            </a:pPr>
+            <a:r>
+              <a:rPr lang="en-US" dirty="0"/>
+              <a:t>To find the minimum number of kinases that inform the SVM predictions (hit/no-hit) the best (MAXIS: maximum information set)</a:t>
+            </a:r>
+          </a:p>
+          <a:p>
+            <a:pPr>
+              <a:spcAft>
+                <a:spcPts val="600"/>
+              </a:spcAft>
+            </a:pPr>
+            <a:r>
+              <a:rPr lang="en-US" dirty="0">
+                <a:solidFill>
+                  <a:srgbClr val="FF0000"/>
+                </a:solidFill>
+              </a:rPr>
+              <a:t>This is a typical feature selection and classification problem</a:t>
+            </a:r>
+          </a:p>
+        </p:txBody>
+      </p:sp>
+      <p:sp>
+        <p:nvSpPr>
+          <p:cNvPr id="7" name="Pentagon 6">
+            <a:extLst>
+              <a:ext uri="{FF2B5EF4-FFF2-40B4-BE49-F238E27FC236}">
+                <a16:creationId xmlns:a16="http://schemas.microsoft.com/office/drawing/2014/main" id="{63CEB937-AB5D-324D-89CA-BB8F26D662BD}"/>
+              </a:ext>
+            </a:extLst>
+          </p:cNvPr>
+          <p:cNvSpPr/>
+          <p:nvPr/>
+        </p:nvSpPr>
+        <p:spPr>
+          <a:xfrm rot="5400000">
+            <a:off x="1551396" y="2606051"/>
+            <a:ext cx="842481" cy="2054831"/>
+          </a:xfrm>
+          <a:prstGeom prst="homePlate">
+            <a:avLst/>
+          </a:prstGeom>
+        </p:spPr>
+        <p:style>
+          <a:lnRef idx="2">
+            <a:schemeClr val="accent1">
+              <a:shade val="50000"/>
+            </a:schemeClr>
+          </a:lnRef>
+          <a:fillRef idx="1">
+            <a:schemeClr val="accent1"/>
+          </a:fillRef>
+          <a:effectRef idx="0">
+            <a:schemeClr val="accent1"/>
+          </a:effectRef>
+          <a:fontRef idx="minor">
+            <a:schemeClr val="lt1"/>
+          </a:fontRef>
+        </p:style>
+        <p:txBody>
+          <a:bodyPr rtlCol="0" anchor="ctr"/>
+          <a:lstStyle/>
+          <a:p>
+            <a:pPr algn="ctr"/>
+            <a:endParaRPr lang="en-US" dirty="0"/>
+          </a:p>
+        </p:txBody>
+      </p:sp>
+      <p:sp>
+        <p:nvSpPr>
+          <p:cNvPr id="8" name="TextBox 7">
+            <a:extLst>
+              <a:ext uri="{FF2B5EF4-FFF2-40B4-BE49-F238E27FC236}">
+                <a16:creationId xmlns:a16="http://schemas.microsoft.com/office/drawing/2014/main" id="{7C716F13-4391-B544-A7AE-67FA6C2CD269}"/>
+              </a:ext>
+            </a:extLst>
+          </p:cNvPr>
+          <p:cNvSpPr txBox="1"/>
+          <p:nvPr/>
+        </p:nvSpPr>
+        <p:spPr>
+          <a:xfrm>
+            <a:off x="945221" y="3294394"/>
+            <a:ext cx="2047227" cy="369332"/>
+          </a:xfrm>
+          <a:prstGeom prst="rect">
+            <a:avLst/>
+          </a:prstGeom>
+          <a:noFill/>
+        </p:spPr>
+        <p:txBody>
           <a:bodyPr wrap="none" rtlCol="0">
             <a:spAutoFit/>
           </a:bodyPr>
           <a:lstStyle/>
           <a:p>
             <a:r>
+              <a:rPr lang="en-US" dirty="0">
+                <a:solidFill>
+                  <a:schemeClr val="bg1"/>
+                </a:solidFill>
+              </a:rPr>
+              <a:t>Linkage group score</a:t>
+            </a:r>
+          </a:p>
+        </p:txBody>
+      </p:sp>
+      <p:sp>
+        <p:nvSpPr>
+          <p:cNvPr id="9" name="Pentagon 8">
+            <a:extLst>
+              <a:ext uri="{FF2B5EF4-FFF2-40B4-BE49-F238E27FC236}">
+                <a16:creationId xmlns:a16="http://schemas.microsoft.com/office/drawing/2014/main" id="{690362A2-20DA-F748-9D60-E30D056F00D7}"/>
+              </a:ext>
+            </a:extLst>
+          </p:cNvPr>
+          <p:cNvSpPr/>
+          <p:nvPr/>
+        </p:nvSpPr>
+        <p:spPr>
+          <a:xfrm rot="5400000">
+            <a:off x="1551396" y="3845640"/>
+            <a:ext cx="842481" cy="2054831"/>
+          </a:xfrm>
+          <a:prstGeom prst="homePlate">
+            <a:avLst/>
+          </a:prstGeom>
+        </p:spPr>
+        <p:style>
+          <a:lnRef idx="2">
+            <a:schemeClr val="accent1">
+              <a:shade val="50000"/>
+            </a:schemeClr>
+          </a:lnRef>
+          <a:fillRef idx="1">
+            <a:schemeClr val="accent1"/>
+          </a:fillRef>
+          <a:effectRef idx="0">
+            <a:schemeClr val="accent1"/>
+          </a:effectRef>
+          <a:fontRef idx="minor">
+            <a:schemeClr val="lt1"/>
+          </a:fontRef>
+        </p:style>
+        <p:txBody>
+          <a:bodyPr rtlCol="0" anchor="ctr"/>
+          <a:lstStyle/>
+          <a:p>
+            <a:pPr algn="ctr"/>
+            <a:endParaRPr lang="en-US" dirty="0"/>
+          </a:p>
+        </p:txBody>
+      </p:sp>
+      <p:sp>
+        <p:nvSpPr>
+          <p:cNvPr id="10" name="TextBox 9">
+            <a:extLst>
+              <a:ext uri="{FF2B5EF4-FFF2-40B4-BE49-F238E27FC236}">
+                <a16:creationId xmlns:a16="http://schemas.microsoft.com/office/drawing/2014/main" id="{A54CF0ED-CC8F-E94D-9F62-037F29797785}"/>
+              </a:ext>
+            </a:extLst>
+          </p:cNvPr>
+          <p:cNvSpPr txBox="1"/>
+          <p:nvPr/>
+        </p:nvSpPr>
+        <p:spPr>
+          <a:xfrm>
+            <a:off x="1467531" y="4503723"/>
+            <a:ext cx="966803" cy="369332"/>
+          </a:xfrm>
+          <a:prstGeom prst="rect">
+            <a:avLst/>
+          </a:prstGeom>
+          <a:noFill/>
+        </p:spPr>
+        <p:txBody>
+          <a:bodyPr wrap="none" rtlCol="0">
+            <a:spAutoFit/>
+          </a:bodyPr>
+          <a:lstStyle/>
+          <a:p>
+            <a:r>
+              <a:rPr lang="en-US" dirty="0">
+                <a:solidFill>
+                  <a:schemeClr val="bg1"/>
+                </a:solidFill>
+              </a:rPr>
+              <a:t>Bk score</a:t>
+            </a:r>
+          </a:p>
+        </p:txBody>
+      </p:sp>
+      <p:sp>
+        <p:nvSpPr>
+          <p:cNvPr id="11" name="TextBox 10">
+            <a:extLst>
+              <a:ext uri="{FF2B5EF4-FFF2-40B4-BE49-F238E27FC236}">
+                <a16:creationId xmlns:a16="http://schemas.microsoft.com/office/drawing/2014/main" id="{3487E53B-6882-8646-A24B-4395C56B9629}"/>
+              </a:ext>
+            </a:extLst>
+          </p:cNvPr>
+          <p:cNvSpPr txBox="1"/>
+          <p:nvPr/>
+        </p:nvSpPr>
+        <p:spPr>
+          <a:xfrm>
+            <a:off x="3581292" y="3109645"/>
+            <a:ext cx="7505380" cy="1000274"/>
+          </a:xfrm>
+          <a:prstGeom prst="rect">
+            <a:avLst/>
+          </a:prstGeom>
+          <a:noFill/>
+        </p:spPr>
+        <p:txBody>
+          <a:bodyPr wrap="square" rtlCol="0">
+            <a:spAutoFit/>
+          </a:bodyPr>
+          <a:lstStyle/>
+          <a:p>
+            <a:pPr>
+              <a:spcAft>
+                <a:spcPts val="600"/>
+              </a:spcAft>
+            </a:pPr>
+            <a:r>
               <a:rPr lang="en-US" dirty="0"/>
-              <a:t>Hit/No-hit </a:t>
+              <a:t>Cluster the kinases into groups, and quantify each group’s importance in the SVM model (pharmacological linkage)</a:t>
+            </a:r>
+          </a:p>
+          <a:p>
+            <a:pPr>
+              <a:spcAft>
+                <a:spcPts val="600"/>
+              </a:spcAft>
+            </a:pPr>
+            <a:r>
+              <a:rPr lang="en-US" dirty="0">
+                <a:solidFill>
+                  <a:srgbClr val="FF0000"/>
+                </a:solidFill>
+              </a:rPr>
+              <a:t>This represents importance of a kinase group</a:t>
+            </a:r>
+          </a:p>
+        </p:txBody>
+      </p:sp>
+      <p:sp>
+        <p:nvSpPr>
+          <p:cNvPr id="12" name="TextBox 11">
+            <a:extLst>
+              <a:ext uri="{FF2B5EF4-FFF2-40B4-BE49-F238E27FC236}">
+                <a16:creationId xmlns:a16="http://schemas.microsoft.com/office/drawing/2014/main" id="{8B23116F-4D0C-C245-8F64-C09F78F931D6}"/>
+              </a:ext>
+            </a:extLst>
+          </p:cNvPr>
+          <p:cNvSpPr txBox="1"/>
+          <p:nvPr/>
+        </p:nvSpPr>
+        <p:spPr>
+          <a:xfrm>
+            <a:off x="3581292" y="4313315"/>
+            <a:ext cx="7505380" cy="1000274"/>
+          </a:xfrm>
+          <a:prstGeom prst="rect">
+            <a:avLst/>
+          </a:prstGeom>
+          <a:noFill/>
+        </p:spPr>
+        <p:txBody>
+          <a:bodyPr wrap="square" rtlCol="0">
+            <a:spAutoFit/>
+          </a:bodyPr>
+          <a:lstStyle/>
+          <a:p>
+            <a:pPr>
+              <a:spcAft>
+                <a:spcPts val="600"/>
+              </a:spcAft>
+            </a:pPr>
+            <a:r>
+              <a:rPr lang="en-US" dirty="0"/>
+              <a:t>Quantify, for each kinase, whether it is more frequently and/or more strongly inhibited by either the hits or the non-hits</a:t>
+            </a:r>
+          </a:p>
+          <a:p>
+            <a:pPr>
+              <a:spcAft>
+                <a:spcPts val="600"/>
+              </a:spcAft>
+            </a:pPr>
+            <a:r>
+              <a:rPr lang="en-US" dirty="0">
+                <a:solidFill>
+                  <a:srgbClr val="FF0000"/>
+                </a:solidFill>
+              </a:rPr>
+              <a:t>This represents importance of an individual kinase</a:t>
             </a:r>
           </a:p>
         </p:txBody>
@@ -3625,7 +5012,107 @@
     </p:spTree>
     <p:extLst>
       <p:ext uri="{BB962C8B-B14F-4D97-AF65-F5344CB8AC3E}">
-        <p14:creationId xmlns:p14="http://schemas.microsoft.com/office/powerpoint/2010/main" val="4249061237"/>
+        <p14:creationId xmlns:p14="http://schemas.microsoft.com/office/powerpoint/2010/main" val="2101185241"/>
+      </p:ext>
+    </p:extLst>
+  </p:cSld>
+  <p:clrMapOvr>
+    <a:masterClrMapping/>
+  </p:clrMapOvr>
+</p:sld>
+</file>
+
+<file path=ppt/slides/slide4.xml><?xml version="1.0" encoding="utf-8"?>
+<p:sld xmlns:a="http://schemas.openxmlformats.org/drawingml/2006/main" xmlns:r="http://schemas.openxmlformats.org/officeDocument/2006/relationships" xmlns:p="http://schemas.openxmlformats.org/presentationml/2006/main">
+  <p:cSld>
+    <p:spTree>
+      <p:nvGrpSpPr>
+        <p:cNvPr id="1" name=""/>
+        <p:cNvGrpSpPr/>
+        <p:nvPr/>
+      </p:nvGrpSpPr>
+      <p:grpSpPr>
+        <a:xfrm>
+          <a:off x="0" y="0"/>
+          <a:ext cx="0" cy="0"/>
+          <a:chOff x="0" y="0"/>
+          <a:chExt cx="0" cy="0"/>
+        </a:xfrm>
+      </p:grpSpPr>
+      <p:sp>
+        <p:nvSpPr>
+          <p:cNvPr id="2" name="Title 1">
+            <a:extLst>
+              <a:ext uri="{FF2B5EF4-FFF2-40B4-BE49-F238E27FC236}">
+                <a16:creationId xmlns:a16="http://schemas.microsoft.com/office/drawing/2014/main" id="{C5536E24-F14E-CB41-B32D-62129AEBB35C}"/>
+              </a:ext>
+            </a:extLst>
+          </p:cNvPr>
+          <p:cNvSpPr>
+            <a:spLocks noGrp="1"/>
+          </p:cNvSpPr>
+          <p:nvPr>
+            <p:ph type="title"/>
+          </p:nvPr>
+        </p:nvSpPr>
+        <p:spPr/>
+        <p:txBody>
+          <a:bodyPr/>
+          <a:lstStyle/>
+          <a:p>
+            <a:r>
+              <a:rPr lang="en-US" dirty="0"/>
+              <a:t>?s</a:t>
+            </a:r>
+          </a:p>
+        </p:txBody>
+      </p:sp>
+      <p:sp>
+        <p:nvSpPr>
+          <p:cNvPr id="3" name="Content Placeholder 2">
+            <a:extLst>
+              <a:ext uri="{FF2B5EF4-FFF2-40B4-BE49-F238E27FC236}">
+                <a16:creationId xmlns:a16="http://schemas.microsoft.com/office/drawing/2014/main" id="{D7F9123A-D6F9-6344-9741-764F3E4F6C1B}"/>
+              </a:ext>
+            </a:extLst>
+          </p:cNvPr>
+          <p:cNvSpPr>
+            <a:spLocks noGrp="1"/>
+          </p:cNvSpPr>
+          <p:nvPr>
+            <p:ph idx="1"/>
+          </p:nvPr>
+        </p:nvSpPr>
+        <p:spPr/>
+        <p:txBody>
+          <a:bodyPr/>
+          <a:lstStyle/>
+          <a:p>
+            <a:r>
+              <a:rPr lang="en-US" dirty="0"/>
+              <a:t>SVM vs lasso</a:t>
+            </a:r>
+          </a:p>
+          <a:p>
+            <a:r>
+              <a:rPr lang="en-US" dirty="0"/>
+              <a:t>Kinase profile data in more details; how to make new kinase profile data from </a:t>
+            </a:r>
+            <a:r>
+              <a:rPr lang="en-US" dirty="0" err="1"/>
+              <a:t>ChEMBL</a:t>
+            </a:r>
+            <a:r>
+              <a:rPr lang="en-US" dirty="0"/>
+              <a:t> database</a:t>
+            </a:r>
+          </a:p>
+        </p:txBody>
+      </p:sp>
+    </p:spTree>
+    <p:extLst>
+      <p:ext uri="{BB962C8B-B14F-4D97-AF65-F5344CB8AC3E}">
+        <p14:creationId xmlns:p14="http://schemas.microsoft.com/office/powerpoint/2010/main" val="944960114"/>
       </p:ext>
     </p:extLst>
   </p:cSld>
@@ -3928,4 +5415,299 @@
     </a:ext>
   </a:extLst>
 </a:theme>
+</file>
+
+<file path=ppt/theme/theme2.xml><?xml version="1.0" encoding="utf-8"?>
+<a:theme xmlns:a="http://schemas.openxmlformats.org/drawingml/2006/main" name="Office Theme">
+  <a:themeElements>
+    <a:clrScheme name="Office">
+      <a:dk1>
+        <a:sysClr val="windowText" lastClr="000000"/>
+      </a:dk1>
+      <a:lt1>
+        <a:sysClr val="window" lastClr="FFFFFF"/>
+      </a:lt1>
+      <a:dk2>
+        <a:srgbClr val="44546A"/>
+      </a:dk2>
+      <a:lt2>
+        <a:srgbClr val="E7E6E6"/>
+      </a:lt2>
+      <a:accent1>
+        <a:srgbClr val="4472C4"/>
+      </a:accent1>
+      <a:accent2>
+        <a:srgbClr val="ED7D31"/>
+      </a:accent2>
+      <a:accent3>
+        <a:srgbClr val="A5A5A5"/>
+      </a:accent3>
+      <a:accent4>
+        <a:srgbClr val="FFC000"/>
+      </a:accent4>
+      <a:accent5>
+        <a:srgbClr val="5B9BD5"/>
+      </a:accent5>
+      <a:accent6>
+        <a:srgbClr val="70AD47"/>
+      </a:accent6>
+      <a:hlink>
+        <a:srgbClr val="0563C1"/>
+      </a:hlink>
+      <a:folHlink>
+        <a:srgbClr val="954F72"/>
+      </a:folHlink>
+    </a:clrScheme>
+    <a:fontScheme name="Office">
+      <a:majorFont>
+        <a:latin typeface="Calibri Light" panose="020F0302020204030204"/>
+        <a:ea typeface=""/>
+        <a:cs typeface=""/>
+        <a:font script="Jpan" typeface="游ゴシック Light"/>
+        <a:font script="Hang" typeface="맑은 고딕"/>
+        <a:font script="Hans" typeface="等线 Light"/>
+        <a:font script="Hant" typeface="新細明體"/>
+        <a:font script="Arab" typeface="Times New Roman"/>
+        <a:font script="Hebr" typeface="Times New Roman"/>
+        <a:font script="Thai" typeface="Angsana New"/>
+        <a:font script="Ethi" typeface="Nyala"/>
+        <a:font script="Beng" typeface="Vrinda"/>
+        <a:font script="Gujr" typeface="Shruti"/>
+        <a:font script="Khmr" typeface="MoolBoran"/>
+        <a:font script="Knda" typeface="Tunga"/>
+        <a:font script="Guru" typeface="Raavi"/>
+        <a:font script="Cans" typeface="Euphemia"/>
+        <a:font script="Cher" typeface="Plantagenet Cherokee"/>
+        <a:font script="Yiii" typeface="Microsoft Yi Baiti"/>
+        <a:font script="Tibt" typeface="Microsoft Himalaya"/>
+        <a:font script="Thaa" typeface="MV Boli"/>
+        <a:font script="Deva" typeface="Mangal"/>
+        <a:font script="Telu" typeface="Gautami"/>
+        <a:font script="Taml" typeface="Latha"/>
+        <a:font script="Syrc" typeface="Estrangelo Edessa"/>
+        <a:font script="Orya" typeface="Kalinga"/>
+        <a:font script="Mlym" typeface="Kartika"/>
+        <a:font script="Laoo" typeface="DokChampa"/>
+        <a:font script="Sinh" typeface="Iskoola Pota"/>
+        <a:font script="Mong" typeface="Mongolian Baiti"/>
+        <a:font script="Viet" typeface="Times New Roman"/>
+        <a:font script="Uigh" typeface="Microsoft Uighur"/>
+        <a:font script="Geor" typeface="Sylfaen"/>
+        <a:font script="Armn" typeface="Arial"/>
+        <a:font script="Bugi" typeface="Leelawadee UI"/>
+        <a:font script="Bopo" typeface="Microsoft JhengHei"/>
+        <a:font script="Java" typeface="Javanese Text"/>
+        <a:font script="Lisu" typeface="Segoe UI"/>
+        <a:font script="Mymr" typeface="Myanmar Text"/>
+        <a:font script="Nkoo" typeface="Ebrima"/>
+        <a:font script="Olck" typeface="Nirmala UI"/>
+        <a:font script="Osma" typeface="Ebrima"/>
+        <a:font script="Phag" typeface="Phagspa"/>
+        <a:font script="Syrn" typeface="Estrangelo Edessa"/>
+        <a:font script="Syrj" typeface="Estrangelo Edessa"/>
+        <a:font script="Syre" typeface="Estrangelo Edessa"/>
+        <a:font script="Sora" typeface="Nirmala UI"/>
+        <a:font script="Tale" typeface="Microsoft Tai Le"/>
+        <a:font script="Talu" typeface="Microsoft New Tai Lue"/>
+        <a:font script="Tfng" typeface="Ebrima"/>
+      </a:majorFont>
+      <a:minorFont>
+        <a:latin typeface="Calibri" panose="020F0502020204030204"/>
+        <a:ea typeface=""/>
+        <a:cs typeface=""/>
+        <a:font script="Jpan" typeface="游ゴシック"/>
+        <a:font script="Hang" typeface="맑은 고딕"/>
+        <a:font script="Hans" typeface="等线"/>
+        <a:font script="Hant" typeface="新細明體"/>
+        <a:font script="Arab" typeface="Arial"/>
+        <a:font script="Hebr" typeface="Arial"/>
+        <a:font script="Thai" typeface="Cordia New"/>
+        <a:font script="Ethi" typeface="Nyala"/>
+        <a:font script="Beng" typeface="Vrinda"/>
+        <a:font script="Gujr" typeface="Shruti"/>
+        <a:font script="Khmr" typeface="DaunPenh"/>
+        <a:font script="Knda" typeface="Tunga"/>
+        <a:font script="Guru" typeface="Raavi"/>
+        <a:font script="Cans" typeface="Euphemia"/>
+        <a:font script="Cher" typeface="Plantagenet Cherokee"/>
+        <a:font script="Yiii" typeface="Microsoft Yi Baiti"/>
+        <a:font script="Tibt" typeface="Microsoft Himalaya"/>
+        <a:font script="Thaa" typeface="MV Boli"/>
+        <a:font script="Deva" typeface="Mangal"/>
+        <a:font script="Telu" typeface="Gautami"/>
+        <a:font script="Taml" typeface="Latha"/>
+        <a:font script="Syrc" typeface="Estrangelo Edessa"/>
+        <a:font script="Orya" typeface="Kalinga"/>
+        <a:font script="Mlym" typeface="Kartika"/>
+        <a:font script="Laoo" typeface="DokChampa"/>
+        <a:font script="Sinh" typeface="Iskoola Pota"/>
+        <a:font script="Mong" typeface="Mongolian Baiti"/>
+        <a:font script="Viet" typeface="Arial"/>
+        <a:font script="Uigh" typeface="Microsoft Uighur"/>
+        <a:font script="Geor" typeface="Sylfaen"/>
+        <a:font script="Armn" typeface="Arial"/>
+        <a:font script="Bugi" typeface="Leelawadee UI"/>
+        <a:font script="Bopo" typeface="Microsoft JhengHei"/>
+        <a:font script="Java" typeface="Javanese Text"/>
+        <a:font script="Lisu" typeface="Segoe UI"/>
+        <a:font script="Mymr" typeface="Myanmar Text"/>
+        <a:font script="Nkoo" typeface="Ebrima"/>
+        <a:font script="Olck" typeface="Nirmala UI"/>
+        <a:font script="Osma" typeface="Ebrima"/>
+        <a:font script="Phag" typeface="Phagspa"/>
+        <a:font script="Syrn" typeface="Estrangelo Edessa"/>
+        <a:font script="Syrj" typeface="Estrangelo Edessa"/>
+        <a:font script="Syre" typeface="Estrangelo Edessa"/>
+        <a:font script="Sora" typeface="Nirmala UI"/>
+        <a:font script="Tale" typeface="Microsoft Tai Le"/>
+        <a:font script="Talu" typeface="Microsoft New Tai Lue"/>
+        <a:font script="Tfng" typeface="Ebrima"/>
+      </a:minorFont>
+    </a:fontScheme>
+    <a:fmtScheme name="Office">
+      <a:fillStyleLst>
+        <a:solidFill>
+          <a:schemeClr val="phClr"/>
+        </a:solidFill>
+        <a:gradFill rotWithShape="1">
+          <a:gsLst>
+            <a:gs pos="0">
+              <a:schemeClr val="phClr">
+                <a:lumMod val="110000"/>
+                <a:satMod val="105000"/>
+                <a:tint val="67000"/>
+              </a:schemeClr>
+            </a:gs>
+            <a:gs pos="50000">
+              <a:schemeClr val="phClr">
+                <a:lumMod val="105000"/>
+                <a:satMod val="103000"/>
+                <a:tint val="73000"/>
+              </a:schemeClr>
+            </a:gs>
+            <a:gs pos="100000">
+              <a:schemeClr val="phClr">
+                <a:lumMod val="105000"/>
+                <a:satMod val="109000"/>
+                <a:tint val="81000"/>
+              </a:schemeClr>
+            </a:gs>
+          </a:gsLst>
+          <a:lin ang="5400000" scaled="0"/>
+        </a:gradFill>
+        <a:gradFill rotWithShape="1">
+          <a:gsLst>
+            <a:gs pos="0">
+              <a:schemeClr val="phClr">
+                <a:satMod val="103000"/>
+                <a:lumMod val="102000"/>
+                <a:tint val="94000"/>
+              </a:schemeClr>
+            </a:gs>
+            <a:gs pos="50000">
+              <a:schemeClr val="phClr">
+                <a:satMod val="110000"/>
+                <a:lumMod val="100000"/>
+                <a:shade val="100000"/>
+              </a:schemeClr>
+            </a:gs>
+            <a:gs pos="100000">
+              <a:schemeClr val="phClr">
+                <a:lumMod val="99000"/>
+                <a:satMod val="120000"/>
+                <a:shade val="78000"/>
+              </a:schemeClr>
+            </a:gs>
+          </a:gsLst>
+          <a:lin ang="5400000" scaled="0"/>
+        </a:gradFill>
+      </a:fillStyleLst>
+      <a:lnStyleLst>
+        <a:ln w="6350" cap="flat" cmpd="sng" algn="ctr">
+          <a:solidFill>
+            <a:schemeClr val="phClr"/>
+          </a:solidFill>
+          <a:prstDash val="solid"/>
+          <a:miter lim="800000"/>
+        </a:ln>
+        <a:ln w="12700" cap="flat" cmpd="sng" algn="ctr">
+          <a:solidFill>
+            <a:schemeClr val="phClr"/>
+          </a:solidFill>
+          <a:prstDash val="solid"/>
+          <a:miter lim="800000"/>
+        </a:ln>
+        <a:ln w="19050" cap="flat" cmpd="sng" algn="ctr">
+          <a:solidFill>
+            <a:schemeClr val="phClr"/>
+          </a:solidFill>
+          <a:prstDash val="solid"/>
+          <a:miter lim="800000"/>
+        </a:ln>
+      </a:lnStyleLst>
+      <a:effectStyleLst>
+        <a:effectStyle>
+          <a:effectLst/>
+        </a:effectStyle>
+        <a:effectStyle>
+          <a:effectLst/>
+        </a:effectStyle>
+        <a:effectStyle>
+          <a:effectLst>
+            <a:outerShdw blurRad="57150" dist="19050" dir="5400000" algn="ctr" rotWithShape="0">
+              <a:srgbClr val="000000">
+                <a:alpha val="63000"/>
+              </a:srgbClr>
+            </a:outerShdw>
+          </a:effectLst>
+        </a:effectStyle>
+      </a:effectStyleLst>
+      <a:bgFillStyleLst>
+        <a:solidFill>
+          <a:schemeClr val="phClr"/>
+        </a:solidFill>
+        <a:solidFill>
+          <a:schemeClr val="phClr">
+            <a:tint val="95000"/>
+            <a:satMod val="170000"/>
+          </a:schemeClr>
+        </a:solidFill>
+        <a:gradFill rotWithShape="1">
+          <a:gsLst>
+            <a:gs pos="0">
+              <a:schemeClr val="phClr">
+                <a:tint val="93000"/>
+                <a:satMod val="150000"/>
+                <a:shade val="98000"/>
+                <a:lumMod val="102000"/>
+              </a:schemeClr>
+            </a:gs>
+            <a:gs pos="50000">
+              <a:schemeClr val="phClr">
+                <a:tint val="98000"/>
+                <a:satMod val="130000"/>
+                <a:shade val="90000"/>
+                <a:lumMod val="103000"/>
+              </a:schemeClr>
+            </a:gs>
+            <a:gs pos="100000">
+              <a:schemeClr val="phClr">
+                <a:shade val="63000"/>
+                <a:satMod val="120000"/>
+              </a:schemeClr>
+            </a:gs>
+          </a:gsLst>
+          <a:lin ang="5400000" scaled="0"/>
+        </a:gradFill>
+      </a:bgFillStyleLst>
+    </a:fmtScheme>
+  </a:themeElements>
+  <a:objectDefaults/>
+  <a:extraClrSchemeLst/>
+  <a:extLst>
+    <a:ext uri="{05A4C25C-085E-4340-85A3-A5531E510DB2}">
+      <thm15:themeFamily xmlns:thm15="http://schemas.microsoft.com/office/thememl/2012/main" name="Office Theme" id="{62F939B6-93AF-4DB8-9C6B-D6C7DFDC589F}" vid="{4A3C46E8-61CC-4603-A589-7422A47A8E4A}"/>
+    </a:ext>
+  </a:extLst>
+</a:theme>
 </file>
--- a/idTRAX.pptx
+++ b/idTRAX.pptx
@@ -5,13 +5,14 @@
     <p:sldMasterId id="2147483648" r:id="rId1"/>
   </p:sldMasterIdLst>
   <p:notesMasterIdLst>
-    <p:notesMasterId r:id="rId6"/>
+    <p:notesMasterId r:id="rId7"/>
   </p:notesMasterIdLst>
   <p:sldIdLst>
     <p:sldId id="256" r:id="rId2"/>
     <p:sldId id="257" r:id="rId3"/>
     <p:sldId id="258" r:id="rId4"/>
     <p:sldId id="259" r:id="rId5"/>
+    <p:sldId id="260" r:id="rId6"/>
   </p:sldIdLst>
   <p:sldSz cx="12192000" cy="6858000"/>
   <p:notesSz cx="6858000" cy="9144000"/>
@@ -200,7 +201,7 @@
           <a:p>
             <a:fld id="{CF12C337-3BD7-274A-A5F2-1FE31BB18CC2}" type="datetimeFigureOut">
               <a:rPr lang="en-US" smtClean="0"/>
-              <a:t>8/6/19</a:t>
+              <a:t>9/20/19</a:t>
             </a:fld>
             <a:endParaRPr lang="en-US"/>
           </a:p>
@@ -810,7 +811,7 @@
           <a:p>
             <a:fld id="{98A7BC4F-8531-7D4A-82E4-E49F19BE4174}" type="datetimeFigureOut">
               <a:rPr lang="en-US" smtClean="0"/>
-              <a:t>8/6/19</a:t>
+              <a:t>9/20/19</a:t>
             </a:fld>
             <a:endParaRPr lang="en-US"/>
           </a:p>
@@ -1008,7 +1009,7 @@
           <a:p>
             <a:fld id="{98A7BC4F-8531-7D4A-82E4-E49F19BE4174}" type="datetimeFigureOut">
               <a:rPr lang="en-US" smtClean="0"/>
-              <a:t>8/6/19</a:t>
+              <a:t>9/20/19</a:t>
             </a:fld>
             <a:endParaRPr lang="en-US"/>
           </a:p>
@@ -1216,7 +1217,7 @@
           <a:p>
             <a:fld id="{98A7BC4F-8531-7D4A-82E4-E49F19BE4174}" type="datetimeFigureOut">
               <a:rPr lang="en-US" smtClean="0"/>
-              <a:t>8/6/19</a:t>
+              <a:t>9/20/19</a:t>
             </a:fld>
             <a:endParaRPr lang="en-US"/>
           </a:p>
@@ -1414,7 +1415,7 @@
           <a:p>
             <a:fld id="{98A7BC4F-8531-7D4A-82E4-E49F19BE4174}" type="datetimeFigureOut">
               <a:rPr lang="en-US" smtClean="0"/>
-              <a:t>8/6/19</a:t>
+              <a:t>9/20/19</a:t>
             </a:fld>
             <a:endParaRPr lang="en-US"/>
           </a:p>
@@ -1689,7 +1690,7 @@
           <a:p>
             <a:fld id="{98A7BC4F-8531-7D4A-82E4-E49F19BE4174}" type="datetimeFigureOut">
               <a:rPr lang="en-US" smtClean="0"/>
-              <a:t>8/6/19</a:t>
+              <a:t>9/20/19</a:t>
             </a:fld>
             <a:endParaRPr lang="en-US"/>
           </a:p>
@@ -1954,7 +1955,7 @@
           <a:p>
             <a:fld id="{98A7BC4F-8531-7D4A-82E4-E49F19BE4174}" type="datetimeFigureOut">
               <a:rPr lang="en-US" smtClean="0"/>
-              <a:t>8/6/19</a:t>
+              <a:t>9/20/19</a:t>
             </a:fld>
             <a:endParaRPr lang="en-US"/>
           </a:p>
@@ -2366,7 +2367,7 @@
           <a:p>
             <a:fld id="{98A7BC4F-8531-7D4A-82E4-E49F19BE4174}" type="datetimeFigureOut">
               <a:rPr lang="en-US" smtClean="0"/>
-              <a:t>8/6/19</a:t>
+              <a:t>9/20/19</a:t>
             </a:fld>
             <a:endParaRPr lang="en-US"/>
           </a:p>
@@ -2507,7 +2508,7 @@
           <a:p>
             <a:fld id="{98A7BC4F-8531-7D4A-82E4-E49F19BE4174}" type="datetimeFigureOut">
               <a:rPr lang="en-US" smtClean="0"/>
-              <a:t>8/6/19</a:t>
+              <a:t>9/20/19</a:t>
             </a:fld>
             <a:endParaRPr lang="en-US"/>
           </a:p>
@@ -2620,7 +2621,7 @@
           <a:p>
             <a:fld id="{98A7BC4F-8531-7D4A-82E4-E49F19BE4174}" type="datetimeFigureOut">
               <a:rPr lang="en-US" smtClean="0"/>
-              <a:t>8/6/19</a:t>
+              <a:t>9/20/19</a:t>
             </a:fld>
             <a:endParaRPr lang="en-US"/>
           </a:p>
@@ -2931,7 +2932,7 @@
           <a:p>
             <a:fld id="{98A7BC4F-8531-7D4A-82E4-E49F19BE4174}" type="datetimeFigureOut">
               <a:rPr lang="en-US" smtClean="0"/>
-              <a:t>8/6/19</a:t>
+              <a:t>9/20/19</a:t>
             </a:fld>
             <a:endParaRPr lang="en-US"/>
           </a:p>
@@ -3219,7 +3220,7 @@
           <a:p>
             <a:fld id="{98A7BC4F-8531-7D4A-82E4-E49F19BE4174}" type="datetimeFigureOut">
               <a:rPr lang="en-US" smtClean="0"/>
-              <a:t>8/6/19</a:t>
+              <a:t>9/20/19</a:t>
             </a:fld>
             <a:endParaRPr lang="en-US"/>
           </a:p>
@@ -3460,7 +3461,7 @@
           <a:p>
             <a:fld id="{98A7BC4F-8531-7D4A-82E4-E49F19BE4174}" type="datetimeFigureOut">
               <a:rPr lang="en-US" smtClean="0"/>
-              <a:t>8/6/19</a:t>
+              <a:t>9/20/19</a:t>
             </a:fld>
             <a:endParaRPr lang="en-US"/>
           </a:p>
@@ -5107,12 +5108,145 @@
               <a:t> database</a:t>
             </a:r>
           </a:p>
+          <a:p>
+            <a:r>
+              <a:rPr lang="en-US" dirty="0"/>
+              <a:t>Kinase inhibition profile data: how do we know those are inhibition?</a:t>
+            </a:r>
+          </a:p>
+          <a:p>
+            <a:r>
+              <a:rPr lang="en-US" dirty="0"/>
+              <a:t>Generalize to other non-kinase protein-coding genes?</a:t>
+            </a:r>
+          </a:p>
+          <a:p>
+            <a:r>
+              <a:rPr lang="en-US" dirty="0"/>
+              <a:t>What are the disease areas where CRISPR works better to find effective targets?</a:t>
+            </a:r>
+          </a:p>
         </p:txBody>
       </p:sp>
     </p:spTree>
     <p:extLst>
       <p:ext uri="{BB962C8B-B14F-4D97-AF65-F5344CB8AC3E}">
         <p14:creationId xmlns:p14="http://schemas.microsoft.com/office/powerpoint/2010/main" val="944960114"/>
+      </p:ext>
+    </p:extLst>
+  </p:cSld>
+  <p:clrMapOvr>
+    <a:masterClrMapping/>
+  </p:clrMapOvr>
+</p:sld>
+</file>
+
+<file path=ppt/slides/slide5.xml><?xml version="1.0" encoding="utf-8"?>
+<p:sld xmlns:a="http://schemas.openxmlformats.org/drawingml/2006/main" xmlns:r="http://schemas.openxmlformats.org/officeDocument/2006/relationships" xmlns:p="http://schemas.openxmlformats.org/presentationml/2006/main">
+  <p:cSld>
+    <p:spTree>
+      <p:nvGrpSpPr>
+        <p:cNvPr id="1" name=""/>
+        <p:cNvGrpSpPr/>
+        <p:nvPr/>
+      </p:nvGrpSpPr>
+      <p:grpSpPr>
+        <a:xfrm>
+          <a:off x="0" y="0"/>
+          <a:ext cx="0" cy="0"/>
+          <a:chOff x="0" y="0"/>
+          <a:chExt cx="0" cy="0"/>
+        </a:xfrm>
+      </p:grpSpPr>
+      <p:sp>
+        <p:nvSpPr>
+          <p:cNvPr id="2" name="Title 1">
+            <a:extLst>
+              <a:ext uri="{FF2B5EF4-FFF2-40B4-BE49-F238E27FC236}">
+                <a16:creationId xmlns:a16="http://schemas.microsoft.com/office/drawing/2014/main" id="{6229AF6F-74F6-E048-ADF1-A2DFD65C8FAB}"/>
+              </a:ext>
+            </a:extLst>
+          </p:cNvPr>
+          <p:cNvSpPr>
+            <a:spLocks noGrp="1"/>
+          </p:cNvSpPr>
+          <p:nvPr>
+            <p:ph type="title"/>
+          </p:nvPr>
+        </p:nvSpPr>
+        <p:spPr/>
+        <p:txBody>
+          <a:bodyPr/>
+          <a:lstStyle/>
+          <a:p>
+            <a:r>
+              <a:rPr lang="en-US" dirty="0"/>
+              <a:t>Talk w Hassan on 9/22/2019</a:t>
+            </a:r>
+          </a:p>
+        </p:txBody>
+      </p:sp>
+      <p:sp>
+        <p:nvSpPr>
+          <p:cNvPr id="3" name="Content Placeholder 2">
+            <a:extLst>
+              <a:ext uri="{FF2B5EF4-FFF2-40B4-BE49-F238E27FC236}">
+                <a16:creationId xmlns:a16="http://schemas.microsoft.com/office/drawing/2014/main" id="{8DE5BDA6-4DA0-F24B-8830-FD36C0CC78F8}"/>
+              </a:ext>
+            </a:extLst>
+          </p:cNvPr>
+          <p:cNvSpPr>
+            <a:spLocks noGrp="1"/>
+          </p:cNvSpPr>
+          <p:nvPr>
+            <p:ph idx="1"/>
+          </p:nvPr>
+        </p:nvSpPr>
+        <p:spPr/>
+        <p:txBody>
+          <a:bodyPr/>
+          <a:lstStyle/>
+          <a:p>
+            <a:r>
+              <a:rPr lang="en-US" sz="3200" b="1" dirty="0"/>
+              <a:t>Id-TRAX features</a:t>
+            </a:r>
+          </a:p>
+          <a:p>
+            <a:endParaRPr lang="en-US" dirty="0"/>
+          </a:p>
+          <a:p>
+            <a:pPr marL="514350" indent="-514350">
+              <a:buFont typeface="+mj-lt"/>
+              <a:buAutoNum type="arabicPeriod"/>
+            </a:pPr>
+            <a:r>
+              <a:rPr lang="en-US" dirty="0"/>
+              <a:t>Able to identify selective targets to certain cells by deconvolving compound screening results where no selectivity was found in the compound level</a:t>
+            </a:r>
+          </a:p>
+          <a:p>
+            <a:pPr marL="514350" indent="-514350">
+              <a:buFont typeface="+mj-lt"/>
+              <a:buAutoNum type="arabicPeriod"/>
+            </a:pPr>
+            <a:r>
+              <a:rPr lang="en-US" dirty="0"/>
+              <a:t>Able to identify synergetic targets that deliver better efficacy than individually</a:t>
+            </a:r>
+          </a:p>
+          <a:p>
+            <a:pPr marL="0" indent="0">
+              <a:buNone/>
+            </a:pPr>
+            <a:endParaRPr lang="en-US" dirty="0"/>
+          </a:p>
+        </p:txBody>
+      </p:sp>
+    </p:spTree>
+    <p:extLst>
+      <p:ext uri="{BB962C8B-B14F-4D97-AF65-F5344CB8AC3E}">
+        <p14:creationId xmlns:p14="http://schemas.microsoft.com/office/powerpoint/2010/main" val="3286574335"/>
       </p:ext>
     </p:extLst>
   </p:cSld>
